--- a/프로그램언어응용.pptx
+++ b/프로그램언어응용.pptx
@@ -5760,6 +5760,126 @@
           </a:p>
         </p:txBody>
       </p:sp>
+      <p:pic>
+        <p:nvPicPr>
+          <p:cNvPr id="8" name="그림 7">
+            <a:extLst>
+              <a:ext uri="{FF2B5EF4-FFF2-40B4-BE49-F238E27FC236}">
+                <a16:creationId xmlns:a16="http://schemas.microsoft.com/office/drawing/2014/main" id="{2E2A474D-DE39-4842-8FB3-AC192E1E9A26}"/>
+              </a:ext>
+            </a:extLst>
+          </p:cNvPr>
+          <p:cNvPicPr>
+            <a:picLocks noChangeAspect="1"/>
+          </p:cNvPicPr>
+          <p:nvPr/>
+        </p:nvPicPr>
+        <p:blipFill>
+          <a:blip r:embed="rId2"/>
+          <a:stretch>
+            <a:fillRect/>
+          </a:stretch>
+        </p:blipFill>
+        <p:spPr>
+          <a:xfrm>
+            <a:off x="239999" y="1451682"/>
+            <a:ext cx="3423853" cy="2923563"/>
+          </a:xfrm>
+          <a:prstGeom prst="rect">
+            <a:avLst/>
+          </a:prstGeom>
+        </p:spPr>
+      </p:pic>
+      <p:pic>
+        <p:nvPicPr>
+          <p:cNvPr id="10" name="그림 9">
+            <a:extLst>
+              <a:ext uri="{FF2B5EF4-FFF2-40B4-BE49-F238E27FC236}">
+                <a16:creationId xmlns:a16="http://schemas.microsoft.com/office/drawing/2014/main" id="{EF8C6666-3B6F-4B0F-91AB-AE03429DADAD}"/>
+              </a:ext>
+            </a:extLst>
+          </p:cNvPr>
+          <p:cNvPicPr>
+            <a:picLocks noChangeAspect="1"/>
+          </p:cNvPicPr>
+          <p:nvPr/>
+        </p:nvPicPr>
+        <p:blipFill>
+          <a:blip r:embed="rId3"/>
+          <a:stretch>
+            <a:fillRect/>
+          </a:stretch>
+        </p:blipFill>
+        <p:spPr>
+          <a:xfrm>
+            <a:off x="239999" y="4375245"/>
+            <a:ext cx="3423853" cy="2411834"/>
+          </a:xfrm>
+          <a:prstGeom prst="rect">
+            <a:avLst/>
+          </a:prstGeom>
+        </p:spPr>
+      </p:pic>
+      <p:pic>
+        <p:nvPicPr>
+          <p:cNvPr id="12" name="그림 11">
+            <a:extLst>
+              <a:ext uri="{FF2B5EF4-FFF2-40B4-BE49-F238E27FC236}">
+                <a16:creationId xmlns:a16="http://schemas.microsoft.com/office/drawing/2014/main" id="{98294487-112C-4CA6-B0DB-96D7BAC97358}"/>
+              </a:ext>
+            </a:extLst>
+          </p:cNvPr>
+          <p:cNvPicPr>
+            <a:picLocks noChangeAspect="1"/>
+          </p:cNvPicPr>
+          <p:nvPr/>
+        </p:nvPicPr>
+        <p:blipFill>
+          <a:blip r:embed="rId4"/>
+          <a:stretch>
+            <a:fillRect/>
+          </a:stretch>
+        </p:blipFill>
+        <p:spPr>
+          <a:xfrm>
+            <a:off x="3970071" y="2361307"/>
+            <a:ext cx="3869633" cy="3078759"/>
+          </a:xfrm>
+          <a:prstGeom prst="rect">
+            <a:avLst/>
+          </a:prstGeom>
+        </p:spPr>
+      </p:pic>
+      <p:pic>
+        <p:nvPicPr>
+          <p:cNvPr id="14" name="그림 13">
+            <a:extLst>
+              <a:ext uri="{FF2B5EF4-FFF2-40B4-BE49-F238E27FC236}">
+                <a16:creationId xmlns:a16="http://schemas.microsoft.com/office/drawing/2014/main" id="{6CF701A2-0C7A-490B-A196-4CB1A4847845}"/>
+              </a:ext>
+            </a:extLst>
+          </p:cNvPr>
+          <p:cNvPicPr>
+            <a:picLocks noChangeAspect="1"/>
+          </p:cNvPicPr>
+          <p:nvPr/>
+        </p:nvPicPr>
+        <p:blipFill>
+          <a:blip r:embed="rId5"/>
+          <a:stretch>
+            <a:fillRect/>
+          </a:stretch>
+        </p:blipFill>
+        <p:spPr>
+          <a:xfrm>
+            <a:off x="8110230" y="1979802"/>
+            <a:ext cx="3841771" cy="3841771"/>
+          </a:xfrm>
+          <a:prstGeom prst="rect">
+            <a:avLst/>
+          </a:prstGeom>
+        </p:spPr>
+      </p:pic>
     </p:spTree>
     <p:extLst>
       <p:ext uri="{BB962C8B-B14F-4D97-AF65-F5344CB8AC3E}">
@@ -5870,6 +5990,172 @@
               <a:latin typeface="프리젠테이션 6 SemiBold" pitchFamily="2" charset="-127"/>
               <a:ea typeface="프리젠테이션 6 SemiBold" pitchFamily="2" charset="-127"/>
             </a:endParaRPr>
+          </a:p>
+        </p:txBody>
+      </p:sp>
+      <p:pic>
+        <p:nvPicPr>
+          <p:cNvPr id="1026" name="Picture 2">
+            <a:extLst>
+              <a:ext uri="{FF2B5EF4-FFF2-40B4-BE49-F238E27FC236}">
+                <a16:creationId xmlns:a16="http://schemas.microsoft.com/office/drawing/2014/main" id="{89C3C118-9204-4651-ADE5-55D5858EEA68}"/>
+              </a:ext>
+            </a:extLst>
+          </p:cNvPr>
+          <p:cNvPicPr>
+            <a:picLocks noChangeAspect="1" noChangeArrowheads="1"/>
+          </p:cNvPicPr>
+          <p:nvPr/>
+        </p:nvPicPr>
+        <p:blipFill>
+          <a:blip r:embed="rId2">
+            <a:extLst>
+              <a:ext uri="{28A0092B-C50C-407E-A947-70E740481C1C}">
+                <a14:useLocalDpi xmlns:a14="http://schemas.microsoft.com/office/drawing/2010/main" val="0"/>
+              </a:ext>
+            </a:extLst>
+          </a:blip>
+          <a:srcRect/>
+          <a:stretch>
+            <a:fillRect/>
+          </a:stretch>
+        </p:blipFill>
+        <p:spPr bwMode="auto">
+          <a:xfrm>
+            <a:off x="608202" y="3260175"/>
+            <a:ext cx="5428867" cy="1297420"/>
+          </a:xfrm>
+          <a:prstGeom prst="rect">
+            <a:avLst/>
+          </a:prstGeom>
+          <a:noFill/>
+          <a:extLst>
+            <a:ext uri="{909E8E84-426E-40DD-AFC4-6F175D3DCCD1}">
+              <a14:hiddenFill xmlns:a14="http://schemas.microsoft.com/office/drawing/2010/main">
+                <a:solidFill>
+                  <a:srgbClr val="FFFFFF"/>
+                </a:solidFill>
+              </a14:hiddenFill>
+            </a:ext>
+          </a:extLst>
+        </p:spPr>
+      </p:pic>
+      <p:pic>
+        <p:nvPicPr>
+          <p:cNvPr id="1028" name="Picture 4">
+            <a:extLst>
+              <a:ext uri="{FF2B5EF4-FFF2-40B4-BE49-F238E27FC236}">
+                <a16:creationId xmlns:a16="http://schemas.microsoft.com/office/drawing/2014/main" id="{5A823323-19EF-444F-AD02-C55FCD24125A}"/>
+              </a:ext>
+            </a:extLst>
+          </p:cNvPr>
+          <p:cNvPicPr>
+            <a:picLocks noChangeAspect="1" noChangeArrowheads="1"/>
+          </p:cNvPicPr>
+          <p:nvPr/>
+        </p:nvPicPr>
+        <p:blipFill>
+          <a:blip r:embed="rId3">
+            <a:extLst>
+              <a:ext uri="{28A0092B-C50C-407E-A947-70E740481C1C}">
+                <a14:useLocalDpi xmlns:a14="http://schemas.microsoft.com/office/drawing/2010/main" val="0"/>
+              </a:ext>
+            </a:extLst>
+          </a:blip>
+          <a:srcRect/>
+          <a:stretch>
+            <a:fillRect/>
+          </a:stretch>
+        </p:blipFill>
+        <p:spPr bwMode="auto">
+          <a:xfrm>
+            <a:off x="6627303" y="2374301"/>
+            <a:ext cx="5029200" cy="3190875"/>
+          </a:xfrm>
+          <a:prstGeom prst="rect">
+            <a:avLst/>
+          </a:prstGeom>
+          <a:noFill/>
+          <a:extLst>
+            <a:ext uri="{909E8E84-426E-40DD-AFC4-6F175D3DCCD1}">
+              <a14:hiddenFill xmlns:a14="http://schemas.microsoft.com/office/drawing/2010/main">
+                <a:solidFill>
+                  <a:srgbClr val="FFFFFF"/>
+                </a:solidFill>
+              </a14:hiddenFill>
+            </a:ext>
+          </a:extLst>
+        </p:spPr>
+      </p:pic>
+      <p:sp>
+        <p:nvSpPr>
+          <p:cNvPr id="3" name="TextBox 2">
+            <a:extLst>
+              <a:ext uri="{FF2B5EF4-FFF2-40B4-BE49-F238E27FC236}">
+                <a16:creationId xmlns:a16="http://schemas.microsoft.com/office/drawing/2014/main" id="{608B4284-BA5B-48F8-B20B-0F901254B983}"/>
+              </a:ext>
+            </a:extLst>
+          </p:cNvPr>
+          <p:cNvSpPr txBox="1"/>
+          <p:nvPr/>
+        </p:nvSpPr>
+        <p:spPr>
+          <a:xfrm flipH="1">
+            <a:off x="608202" y="2890843"/>
+            <a:ext cx="1098958" cy="369332"/>
+          </a:xfrm>
+          <a:prstGeom prst="rect">
+            <a:avLst/>
+          </a:prstGeom>
+          <a:noFill/>
+        </p:spPr>
+        <p:txBody>
+          <a:bodyPr wrap="square" rtlCol="0">
+            <a:spAutoFit/>
+          </a:bodyPr>
+          <a:lstStyle/>
+          <a:p>
+            <a:r>
+              <a:rPr lang="en-US" altLang="ko-KR" dirty="0"/>
+              <a:t>Console</a:t>
+            </a:r>
+            <a:endParaRPr lang="ko-KR" altLang="en-US" dirty="0"/>
+          </a:p>
+        </p:txBody>
+      </p:sp>
+      <p:sp>
+        <p:nvSpPr>
+          <p:cNvPr id="4" name="TextBox 3">
+            <a:extLst>
+              <a:ext uri="{FF2B5EF4-FFF2-40B4-BE49-F238E27FC236}">
+                <a16:creationId xmlns:a16="http://schemas.microsoft.com/office/drawing/2014/main" id="{9453C86C-B94E-430F-AFB1-65DB137DCD0B}"/>
+              </a:ext>
+            </a:extLst>
+          </p:cNvPr>
+          <p:cNvSpPr txBox="1"/>
+          <p:nvPr/>
+        </p:nvSpPr>
+        <p:spPr>
+          <a:xfrm>
+            <a:off x="6769915" y="2004969"/>
+            <a:ext cx="2206304" cy="369332"/>
+          </a:xfrm>
+          <a:prstGeom prst="rect">
+            <a:avLst/>
+          </a:prstGeom>
+          <a:noFill/>
+        </p:spPr>
+        <p:txBody>
+          <a:bodyPr wrap="square" rtlCol="0">
+            <a:spAutoFit/>
+          </a:bodyPr>
+          <a:lstStyle/>
+          <a:p>
+            <a:r>
+              <a:rPr lang="en-US" altLang="ko-KR" dirty="0"/>
+              <a:t>MySQL Workbench</a:t>
+            </a:r>
+            <a:endParaRPr lang="ko-KR" altLang="en-US" dirty="0"/>
           </a:p>
         </p:txBody>
       </p:sp>
